--- a/2024-Q4/2024-11-17/2024-11-17-Psalms.pptx
+++ b/2024-Q4/2024-11-17/2024-11-17-Psalms.pptx
@@ -6,7 +6,7 @@
     <p:sldMasterId id="2147484131" r:id="rId2"/>
   </p:sldMasterIdLst>
   <p:notesMasterIdLst>
-    <p:notesMasterId r:id="rId26"/>
+    <p:notesMasterId r:id="rId27"/>
   </p:notesMasterIdLst>
   <p:sldIdLst>
     <p:sldId id="395" r:id="rId3"/>
@@ -32,6 +32,7 @@
     <p:sldId id="534" r:id="rId23"/>
     <p:sldId id="535" r:id="rId24"/>
     <p:sldId id="536" r:id="rId25"/>
+    <p:sldId id="537" r:id="rId26"/>
   </p:sldIdLst>
   <p:sldSz cx="9144000" cy="6858000" type="screen4x3"/>
   <p:notesSz cx="7099300" cy="9385300"/>
@@ -1968,7 +1969,7 @@
         <p:spPr/>
         <p:txBody>
           <a:bodyPr>
-            <a:normAutofit fontScale="92500" lnSpcReduction="10000"/>
+            <a:normAutofit/>
           </a:bodyPr>
           <a:lstStyle/>
           <a:p>
@@ -2110,7 +2111,7 @@
         <p:spPr/>
         <p:txBody>
           <a:bodyPr>
-            <a:normAutofit fontScale="32500" lnSpcReduction="20000"/>
+            <a:normAutofit/>
           </a:bodyPr>
           <a:lstStyle/>
           <a:p>
@@ -2399,7 +2400,7 @@
         <p:spPr/>
         <p:txBody>
           <a:bodyPr>
-            <a:normAutofit fontScale="32500" lnSpcReduction="20000"/>
+            <a:normAutofit/>
           </a:bodyPr>
           <a:lstStyle/>
           <a:p>
@@ -2533,7 +2534,7 @@
         <p:spPr/>
         <p:txBody>
           <a:bodyPr>
-            <a:normAutofit fontScale="32500" lnSpcReduction="20000"/>
+            <a:normAutofit/>
           </a:bodyPr>
           <a:lstStyle/>
           <a:p>
@@ -2667,7 +2668,7 @@
         <p:spPr/>
         <p:txBody>
           <a:bodyPr>
-            <a:normAutofit fontScale="47500" lnSpcReduction="20000"/>
+            <a:normAutofit/>
           </a:bodyPr>
           <a:lstStyle/>
           <a:p>
@@ -2804,7 +2805,7 @@
         <p:spPr/>
         <p:txBody>
           <a:bodyPr>
-            <a:normAutofit fontScale="77500" lnSpcReduction="20000"/>
+            <a:normAutofit fontScale="92500" lnSpcReduction="20000"/>
           </a:bodyPr>
           <a:lstStyle/>
           <a:p>
@@ -2905,6 +2906,120 @@
     <p:extLst>
       <p:ext uri="{BB962C8B-B14F-4D97-AF65-F5344CB8AC3E}">
         <p14:creationId xmlns:p14="http://schemas.microsoft.com/office/powerpoint/2010/main" val="1546209726"/>
+      </p:ext>
+    </p:extLst>
+  </p:cSld>
+  <p:clrMapOvr>
+    <a:masterClrMapping/>
+  </p:clrMapOvr>
+</p:notes>
+</file>
+
+<file path=ppt/notesSlides/notesSlide24.xml><?xml version="1.0" encoding="utf-8"?>
+<p:notes xmlns:a="http://schemas.openxmlformats.org/drawingml/2006/main" xmlns:r="http://schemas.openxmlformats.org/officeDocument/2006/relationships" xmlns:p="http://schemas.openxmlformats.org/presentationml/2006/main">
+  <p:cSld>
+    <p:spTree>
+      <p:nvGrpSpPr>
+        <p:cNvPr id="1" name="">
+          <a:extLst>
+            <a:ext uri="{FF2B5EF4-FFF2-40B4-BE49-F238E27FC236}">
+              <a16:creationId xmlns:a16="http://schemas.microsoft.com/office/drawing/2014/main" id="{91B60610-CA7E-059B-9755-244D034E984C}"/>
+            </a:ext>
+          </a:extLst>
+        </p:cNvPr>
+        <p:cNvGrpSpPr/>
+        <p:nvPr/>
+      </p:nvGrpSpPr>
+      <p:grpSpPr>
+        <a:xfrm>
+          <a:off x="0" y="0"/>
+          <a:ext cx="0" cy="0"/>
+          <a:chOff x="0" y="0"/>
+          <a:chExt cx="0" cy="0"/>
+        </a:xfrm>
+      </p:grpSpPr>
+      <p:sp>
+        <p:nvSpPr>
+          <p:cNvPr id="2" name="Slide Image Placeholder 1">
+            <a:extLst>
+              <a:ext uri="{FF2B5EF4-FFF2-40B4-BE49-F238E27FC236}">
+                <a16:creationId xmlns:a16="http://schemas.microsoft.com/office/drawing/2014/main" id="{8C6ADF92-057A-D69B-22F7-ABC6918FA0AF}"/>
+              </a:ext>
+            </a:extLst>
+          </p:cNvPr>
+          <p:cNvSpPr>
+            <a:spLocks noGrp="1" noRot="1" noChangeAspect="1"/>
+          </p:cNvSpPr>
+          <p:nvPr>
+            <p:ph type="sldImg"/>
+          </p:nvPr>
+        </p:nvSpPr>
+        <p:spPr/>
+      </p:sp>
+      <p:sp>
+        <p:nvSpPr>
+          <p:cNvPr id="3" name="Notes Placeholder 2">
+            <a:extLst>
+              <a:ext uri="{FF2B5EF4-FFF2-40B4-BE49-F238E27FC236}">
+                <a16:creationId xmlns:a16="http://schemas.microsoft.com/office/drawing/2014/main" id="{B9681642-4BB1-BA9A-B52B-8B6A6698E036}"/>
+              </a:ext>
+            </a:extLst>
+          </p:cNvPr>
+          <p:cNvSpPr>
+            <a:spLocks noGrp="1"/>
+          </p:cNvSpPr>
+          <p:nvPr>
+            <p:ph type="body" idx="1"/>
+          </p:nvPr>
+        </p:nvSpPr>
+        <p:spPr/>
+        <p:txBody>
+          <a:bodyPr/>
+          <a:lstStyle/>
+          <a:p>
+            <a:endParaRPr lang="en-US"/>
+          </a:p>
+        </p:txBody>
+      </p:sp>
+      <p:sp>
+        <p:nvSpPr>
+          <p:cNvPr id="4" name="Slide Number Placeholder 3">
+            <a:extLst>
+              <a:ext uri="{FF2B5EF4-FFF2-40B4-BE49-F238E27FC236}">
+                <a16:creationId xmlns:a16="http://schemas.microsoft.com/office/drawing/2014/main" id="{A59BEF61-8388-43BB-71ED-09074E67591B}"/>
+              </a:ext>
+            </a:extLst>
+          </p:cNvPr>
+          <p:cNvSpPr>
+            <a:spLocks noGrp="1"/>
+          </p:cNvSpPr>
+          <p:nvPr>
+            <p:ph type="sldNum" sz="quarter" idx="5"/>
+          </p:nvPr>
+        </p:nvSpPr>
+        <p:spPr/>
+        <p:txBody>
+          <a:bodyPr/>
+          <a:lstStyle/>
+          <a:p>
+            <a:pPr>
+              <a:defRPr/>
+            </a:pPr>
+            <a:fld id="{07776858-791E-4C8D-8FA3-473B3AFECFAC}" type="slidenum">
+              <a:rPr lang="en-US" smtClean="0"/>
+              <a:pPr>
+                <a:defRPr/>
+              </a:pPr>
+              <a:t>24</a:t>
+            </a:fld>
+            <a:endParaRPr lang="en-US"/>
+          </a:p>
+        </p:txBody>
+      </p:sp>
+    </p:spTree>
+    <p:extLst>
+      <p:ext uri="{BB962C8B-B14F-4D97-AF65-F5344CB8AC3E}">
+        <p14:creationId xmlns:p14="http://schemas.microsoft.com/office/powerpoint/2010/main" val="1796232242"/>
       </p:ext>
     </p:extLst>
   </p:cSld>
@@ -6128,7 +6243,7 @@
                   </a:schemeClr>
                 </a:solidFill>
               </a:rPr>
-              <a:t>https://tinyurl.com/3hdxbpvy</a:t>
+              <a:t>https://tinyurl.com/3kdrkwcj</a:t>
             </a:r>
           </a:p>
         </p:txBody>
@@ -9574,7 +9689,7 @@
                                         <p:tgtEl>
                                           <p:spTgt spid="5">
                                             <p:txEl>
-                                              <p:charRg st="489" end="534"/>
+                                              <p:pRg st="4" end="4"/>
                                             </p:txEl>
                                           </p:spTgt>
                                         </p:tgtEl>
@@ -9592,7 +9707,7 @@
                                         <p:tgtEl>
                                           <p:spTgt spid="5">
                                             <p:txEl>
-                                              <p:charRg st="489" end="534"/>
+                                              <p:pRg st="4" end="4"/>
                                             </p:txEl>
                                           </p:spTgt>
                                         </p:tgtEl>
@@ -9604,7 +9719,7 @@
                                         <p:tgtEl>
                                           <p:spTgt spid="5">
                                             <p:txEl>
-                                              <p:charRg st="489" end="534"/>
+                                              <p:pRg st="4" end="4"/>
                                             </p:txEl>
                                           </p:spTgt>
                                         </p:tgtEl>
@@ -9631,7 +9746,7 @@
                                         <p:tgtEl>
                                           <p:spTgt spid="5">
                                             <p:txEl>
-                                              <p:charRg st="489" end="534"/>
+                                              <p:pRg st="4" end="4"/>
                                             </p:txEl>
                                           </p:spTgt>
                                         </p:tgtEl>
@@ -9671,7 +9786,7 @@
                                         <p:tgtEl>
                                           <p:spTgt spid="5">
                                             <p:txEl>
-                                              <p:charRg st="534" end="749"/>
+                                              <p:pRg st="5" end="5"/>
                                             </p:txEl>
                                           </p:spTgt>
                                         </p:tgtEl>
@@ -9689,7 +9804,7 @@
                                         <p:tgtEl>
                                           <p:spTgt spid="5">
                                             <p:txEl>
-                                              <p:charRg st="534" end="749"/>
+                                              <p:pRg st="5" end="5"/>
                                             </p:txEl>
                                           </p:spTgt>
                                         </p:tgtEl>
@@ -9701,7 +9816,7 @@
                                         <p:tgtEl>
                                           <p:spTgt spid="5">
                                             <p:txEl>
-                                              <p:charRg st="534" end="749"/>
+                                              <p:pRg st="5" end="5"/>
                                             </p:txEl>
                                           </p:spTgt>
                                         </p:tgtEl>
@@ -9728,7 +9843,7 @@
                                         <p:tgtEl>
                                           <p:spTgt spid="5">
                                             <p:txEl>
-                                              <p:charRg st="534" end="749"/>
+                                              <p:pRg st="5" end="5"/>
                                             </p:txEl>
                                           </p:spTgt>
                                         </p:tgtEl>
@@ -9768,7 +9883,7 @@
                                         <p:tgtEl>
                                           <p:spTgt spid="5">
                                             <p:txEl>
-                                              <p:charRg st="749" end="994"/>
+                                              <p:pRg st="6" end="6"/>
                                             </p:txEl>
                                           </p:spTgt>
                                         </p:tgtEl>
@@ -9786,7 +9901,7 @@
                                         <p:tgtEl>
                                           <p:spTgt spid="5">
                                             <p:txEl>
-                                              <p:charRg st="749" end="994"/>
+                                              <p:pRg st="6" end="6"/>
                                             </p:txEl>
                                           </p:spTgt>
                                         </p:tgtEl>
@@ -9798,7 +9913,7 @@
                                         <p:tgtEl>
                                           <p:spTgt spid="5">
                                             <p:txEl>
-                                              <p:charRg st="749" end="994"/>
+                                              <p:pRg st="6" end="6"/>
                                             </p:txEl>
                                           </p:spTgt>
                                         </p:tgtEl>
@@ -9825,7 +9940,7 @@
                                         <p:tgtEl>
                                           <p:spTgt spid="5">
                                             <p:txEl>
-                                              <p:charRg st="749" end="994"/>
+                                              <p:pRg st="6" end="6"/>
                                             </p:txEl>
                                           </p:spTgt>
                                         </p:tgtEl>
@@ -18134,7 +18249,7 @@
                                         <p:tgtEl>
                                           <p:spTgt spid="7">
                                             <p:txEl>
-                                              <p:charRg st="1039" end="1238"/>
+                                              <p:pRg st="12" end="12"/>
                                             </p:txEl>
                                           </p:spTgt>
                                         </p:tgtEl>
@@ -18152,7 +18267,7 @@
                                         <p:tgtEl>
                                           <p:spTgt spid="7">
                                             <p:txEl>
-                                              <p:charRg st="1039" end="1238"/>
+                                              <p:pRg st="12" end="12"/>
                                             </p:txEl>
                                           </p:spTgt>
                                         </p:tgtEl>
@@ -18164,7 +18279,7 @@
                                         <p:tgtEl>
                                           <p:spTgt spid="7">
                                             <p:txEl>
-                                              <p:charRg st="1039" end="1238"/>
+                                              <p:pRg st="12" end="12"/>
                                             </p:txEl>
                                           </p:spTgt>
                                         </p:tgtEl>
@@ -18191,7 +18306,7 @@
                                         <p:tgtEl>
                                           <p:spTgt spid="7">
                                             <p:txEl>
-                                              <p:charRg st="1039" end="1238"/>
+                                              <p:pRg st="12" end="12"/>
                                             </p:txEl>
                                           </p:spTgt>
                                         </p:tgtEl>
@@ -18243,6 +18358,135 @@
       </p:par>
     </p:tnLst>
   </p:timing>
+</p:sld>
+</file>
+
+<file path=ppt/slides/slide24.xml><?xml version="1.0" encoding="utf-8"?>
+<p:sld xmlns:a="http://schemas.openxmlformats.org/drawingml/2006/main" xmlns:r="http://schemas.openxmlformats.org/officeDocument/2006/relationships" xmlns:p="http://schemas.openxmlformats.org/presentationml/2006/main">
+  <p:cSld>
+    <p:spTree>
+      <p:nvGrpSpPr>
+        <p:cNvPr id="1" name="">
+          <a:extLst>
+            <a:ext uri="{FF2B5EF4-FFF2-40B4-BE49-F238E27FC236}">
+              <a16:creationId xmlns:a16="http://schemas.microsoft.com/office/drawing/2014/main" id="{C78F9F25-064F-AE0D-15CA-7515C002FDC2}"/>
+            </a:ext>
+          </a:extLst>
+        </p:cNvPr>
+        <p:cNvGrpSpPr/>
+        <p:nvPr/>
+      </p:nvGrpSpPr>
+      <p:grpSpPr>
+        <a:xfrm>
+          <a:off x="0" y="0"/>
+          <a:ext cx="0" cy="0"/>
+          <a:chOff x="0" y="0"/>
+          <a:chExt cx="0" cy="0"/>
+        </a:xfrm>
+      </p:grpSpPr>
+      <p:sp>
+        <p:nvSpPr>
+          <p:cNvPr id="2" name="Title 1">
+            <a:extLst>
+              <a:ext uri="{FF2B5EF4-FFF2-40B4-BE49-F238E27FC236}">
+                <a16:creationId xmlns:a16="http://schemas.microsoft.com/office/drawing/2014/main" id="{D35D997E-D79D-4283-17E1-D2A537D1F1B6}"/>
+              </a:ext>
+            </a:extLst>
+          </p:cNvPr>
+          <p:cNvSpPr>
+            <a:spLocks noGrp="1"/>
+          </p:cNvSpPr>
+          <p:nvPr>
+            <p:ph type="title"/>
+          </p:nvPr>
+        </p:nvSpPr>
+        <p:spPr/>
+        <p:txBody>
+          <a:bodyPr/>
+          <a:lstStyle/>
+          <a:p>
+            <a:r>
+              <a:rPr lang="en-US" dirty="0"/>
+              <a:t>Resources</a:t>
+            </a:r>
+          </a:p>
+        </p:txBody>
+      </p:sp>
+      <p:sp>
+        <p:nvSpPr>
+          <p:cNvPr id="3" name="Content Placeholder 2">
+            <a:extLst>
+              <a:ext uri="{FF2B5EF4-FFF2-40B4-BE49-F238E27FC236}">
+                <a16:creationId xmlns:a16="http://schemas.microsoft.com/office/drawing/2014/main" id="{2F3A4707-77F5-3BC5-6944-46EC74932C67}"/>
+              </a:ext>
+            </a:extLst>
+          </p:cNvPr>
+          <p:cNvSpPr>
+            <a:spLocks noGrp="1"/>
+          </p:cNvSpPr>
+          <p:nvPr>
+            <p:ph idx="1"/>
+          </p:nvPr>
+        </p:nvSpPr>
+        <p:spPr>
+          <a:xfrm>
+            <a:off x="457200" y="1143000"/>
+            <a:ext cx="8229600" cy="4838700"/>
+          </a:xfrm>
+        </p:spPr>
+        <p:txBody>
+          <a:bodyPr/>
+          <a:lstStyle/>
+          <a:p>
+            <a:pPr algn="l">
+              <a:lnSpc>
+                <a:spcPts val="2400"/>
+              </a:lnSpc>
+            </a:pPr>
+            <a:r>
+              <a:rPr lang="en-US" sz="2000" i="0" dirty="0">
+                <a:solidFill>
+                  <a:srgbClr val="0F1111"/>
+                </a:solidFill>
+                <a:effectLst/>
+                <a:latin typeface="+mn-lt"/>
+              </a:rPr>
+              <a:t>Good Ideas from Questionable Christians and Outright Pagans: An Introduction to Key Thinkers and Philosophies – Steve Wilkins (</a:t>
+            </a:r>
+            <a:r>
+              <a:rPr lang="en-US" sz="2000" i="0" dirty="0">
+                <a:solidFill>
+                  <a:srgbClr val="0F1111"/>
+                </a:solidFill>
+                <a:effectLst/>
+                <a:latin typeface="+mn-lt"/>
+                <a:hlinkClick r:id="rId3"/>
+              </a:rPr>
+              <a:t>https://a.co/d/5rr4ZoS</a:t>
+            </a:r>
+            <a:r>
+              <a:rPr lang="en-US" sz="2000" i="0" dirty="0">
+                <a:solidFill>
+                  <a:srgbClr val="0F1111"/>
+                </a:solidFill>
+                <a:effectLst/>
+                <a:latin typeface="+mn-lt"/>
+              </a:rPr>
+              <a:t>)</a:t>
+            </a:r>
+          </a:p>
+        </p:txBody>
+      </p:sp>
+    </p:spTree>
+    <p:extLst>
+      <p:ext uri="{BB962C8B-B14F-4D97-AF65-F5344CB8AC3E}">
+        <p14:creationId xmlns:p14="http://schemas.microsoft.com/office/powerpoint/2010/main" val="321211761"/>
+      </p:ext>
+    </p:extLst>
+  </p:cSld>
+  <p:clrMapOvr>
+    <a:masterClrMapping/>
+  </p:clrMapOvr>
 </p:sld>
 </file>
 
@@ -21132,7 +21376,7 @@
 </file>
 
 <file path=ppt/slides/slide7.xml><?xml version="1.0" encoding="utf-8"?>
-<p:sld xmlns:a="http://schemas.openxmlformats.org/drawingml/2006/main" xmlns:r="http://schemas.openxmlformats.org/officeDocument/2006/relationships" xmlns:p="http://schemas.openxmlformats.org/presentationml/2006/main" show="0">
+<p:sld xmlns:a="http://schemas.openxmlformats.org/drawingml/2006/main" xmlns:r="http://schemas.openxmlformats.org/officeDocument/2006/relationships" xmlns:p="http://schemas.openxmlformats.org/presentationml/2006/main">
   <p:cSld>
     <p:spTree>
       <p:nvGrpSpPr>

--- a/2024-Q4/2024-11-17/2024-11-17-Psalms.pptx
+++ b/2024-Q4/2024-11-17/2024-11-17-Psalms.pptx
@@ -300,7 +300,7 @@
               <a:pPr>
                 <a:defRPr/>
               </a:pPr>
-              <a:t>11/16/2024</a:t>
+              <a:t>5/4/2025</a:t>
             </a:fld>
             <a:endParaRPr lang="en-US"/>
           </a:p>
@@ -13098,7 +13098,7 @@
 </file>
 
 <file path=ppt/slides/slide2.xml><?xml version="1.0" encoding="utf-8"?>
-<p:sld xmlns:a="http://schemas.openxmlformats.org/drawingml/2006/main" xmlns:r="http://schemas.openxmlformats.org/officeDocument/2006/relationships" xmlns:p="http://schemas.openxmlformats.org/presentationml/2006/main" show="0">
+<p:sld xmlns:a="http://schemas.openxmlformats.org/drawingml/2006/main" xmlns:r="http://schemas.openxmlformats.org/officeDocument/2006/relationships" xmlns:p="http://schemas.openxmlformats.org/presentationml/2006/main">
   <p:cSld>
     <p:spTree>
       <p:nvGrpSpPr>
@@ -18491,7 +18491,7 @@
 </file>
 
 <file path=ppt/slides/slide3.xml><?xml version="1.0" encoding="utf-8"?>
-<p:sld xmlns:a="http://schemas.openxmlformats.org/drawingml/2006/main" xmlns:r="http://schemas.openxmlformats.org/officeDocument/2006/relationships" xmlns:p="http://schemas.openxmlformats.org/presentationml/2006/main" show="0">
+<p:sld xmlns:a="http://schemas.openxmlformats.org/drawingml/2006/main" xmlns:r="http://schemas.openxmlformats.org/officeDocument/2006/relationships" xmlns:p="http://schemas.openxmlformats.org/presentationml/2006/main">
   <p:cSld>
     <p:spTree>
       <p:nvGrpSpPr>
@@ -19267,7 +19267,7 @@
 </file>
 
 <file path=ppt/slides/slide4.xml><?xml version="1.0" encoding="utf-8"?>
-<p:sld xmlns:a="http://schemas.openxmlformats.org/drawingml/2006/main" xmlns:r="http://schemas.openxmlformats.org/officeDocument/2006/relationships" xmlns:p="http://schemas.openxmlformats.org/presentationml/2006/main" show="0">
+<p:sld xmlns:a="http://schemas.openxmlformats.org/drawingml/2006/main" xmlns:r="http://schemas.openxmlformats.org/officeDocument/2006/relationships" xmlns:p="http://schemas.openxmlformats.org/presentationml/2006/main">
   <p:cSld>
     <p:spTree>
       <p:nvGrpSpPr>
@@ -20340,7 +20340,7 @@
 </file>
 
 <file path=ppt/slides/slide5.xml><?xml version="1.0" encoding="utf-8"?>
-<p:sld xmlns:a="http://schemas.openxmlformats.org/drawingml/2006/main" xmlns:r="http://schemas.openxmlformats.org/officeDocument/2006/relationships" xmlns:p="http://schemas.openxmlformats.org/presentationml/2006/main" show="0">
+<p:sld xmlns:a="http://schemas.openxmlformats.org/drawingml/2006/main" xmlns:r="http://schemas.openxmlformats.org/officeDocument/2006/relationships" xmlns:p="http://schemas.openxmlformats.org/presentationml/2006/main">
   <p:cSld>
     <p:spTree>
       <p:nvGrpSpPr>
@@ -20930,7 +20930,7 @@
 </file>
 
 <file path=ppt/slides/slide6.xml><?xml version="1.0" encoding="utf-8"?>
-<p:sld xmlns:a="http://schemas.openxmlformats.org/drawingml/2006/main" xmlns:r="http://schemas.openxmlformats.org/officeDocument/2006/relationships" xmlns:p="http://schemas.openxmlformats.org/presentationml/2006/main" show="0">
+<p:sld xmlns:a="http://schemas.openxmlformats.org/drawingml/2006/main" xmlns:r="http://schemas.openxmlformats.org/officeDocument/2006/relationships" xmlns:p="http://schemas.openxmlformats.org/presentationml/2006/main">
   <p:cSld>
     <p:spTree>
       <p:nvGrpSpPr>
